--- a/ansible/Ansible_Presentation2019.pptx
+++ b/ansible/Ansible_Presentation2019.pptx
@@ -263,7 +263,7 @@
           <a:p>
             <a:fld id="{3A632A50-6540-4FA7-8830-068C2E9F477F}" type="datetimeFigureOut">
               <a:rPr lang="en-US" smtClean="0"/>
-              <a:t>6/11/2019</a:t>
+              <a:t>6/13/2019</a:t>
             </a:fld>
             <a:endParaRPr lang="en-US"/>
           </a:p>
@@ -431,7 +431,7 @@
           <a:p>
             <a:fld id="{3A632A50-6540-4FA7-8830-068C2E9F477F}" type="datetimeFigureOut">
               <a:rPr lang="en-US" smtClean="0"/>
-              <a:t>6/11/2019</a:t>
+              <a:t>6/13/2019</a:t>
             </a:fld>
             <a:endParaRPr lang="en-US"/>
           </a:p>
@@ -609,7 +609,7 @@
           <a:p>
             <a:fld id="{3A632A50-6540-4FA7-8830-068C2E9F477F}" type="datetimeFigureOut">
               <a:rPr lang="en-US" smtClean="0"/>
-              <a:t>6/11/2019</a:t>
+              <a:t>6/13/2019</a:t>
             </a:fld>
             <a:endParaRPr lang="en-US"/>
           </a:p>
@@ -777,7 +777,7 @@
           <a:p>
             <a:fld id="{3A632A50-6540-4FA7-8830-068C2E9F477F}" type="datetimeFigureOut">
               <a:rPr lang="en-US" smtClean="0"/>
-              <a:t>6/11/2019</a:t>
+              <a:t>6/13/2019</a:t>
             </a:fld>
             <a:endParaRPr lang="en-US"/>
           </a:p>
@@ -1022,7 +1022,7 @@
           <a:p>
             <a:fld id="{3A632A50-6540-4FA7-8830-068C2E9F477F}" type="datetimeFigureOut">
               <a:rPr lang="en-US" smtClean="0"/>
-              <a:t>6/11/2019</a:t>
+              <a:t>6/13/2019</a:t>
             </a:fld>
             <a:endParaRPr lang="en-US"/>
           </a:p>
@@ -1251,7 +1251,7 @@
           <a:p>
             <a:fld id="{3A632A50-6540-4FA7-8830-068C2E9F477F}" type="datetimeFigureOut">
               <a:rPr lang="en-US" smtClean="0"/>
-              <a:t>6/11/2019</a:t>
+              <a:t>6/13/2019</a:t>
             </a:fld>
             <a:endParaRPr lang="en-US"/>
           </a:p>
@@ -1615,7 +1615,7 @@
           <a:p>
             <a:fld id="{3A632A50-6540-4FA7-8830-068C2E9F477F}" type="datetimeFigureOut">
               <a:rPr lang="en-US" smtClean="0"/>
-              <a:t>6/11/2019</a:t>
+              <a:t>6/13/2019</a:t>
             </a:fld>
             <a:endParaRPr lang="en-US"/>
           </a:p>
@@ -1732,7 +1732,7 @@
           <a:p>
             <a:fld id="{3A632A50-6540-4FA7-8830-068C2E9F477F}" type="datetimeFigureOut">
               <a:rPr lang="en-US" smtClean="0"/>
-              <a:t>6/11/2019</a:t>
+              <a:t>6/13/2019</a:t>
             </a:fld>
             <a:endParaRPr lang="en-US"/>
           </a:p>
@@ -1827,7 +1827,7 @@
           <a:p>
             <a:fld id="{3A632A50-6540-4FA7-8830-068C2E9F477F}" type="datetimeFigureOut">
               <a:rPr lang="en-US" smtClean="0"/>
-              <a:t>6/11/2019</a:t>
+              <a:t>6/13/2019</a:t>
             </a:fld>
             <a:endParaRPr lang="en-US"/>
           </a:p>
@@ -2102,7 +2102,7 @@
           <a:p>
             <a:fld id="{3A632A50-6540-4FA7-8830-068C2E9F477F}" type="datetimeFigureOut">
               <a:rPr lang="en-US" smtClean="0"/>
-              <a:t>6/11/2019</a:t>
+              <a:t>6/13/2019</a:t>
             </a:fld>
             <a:endParaRPr lang="en-US"/>
           </a:p>
@@ -2354,7 +2354,7 @@
           <a:p>
             <a:fld id="{3A632A50-6540-4FA7-8830-068C2E9F477F}" type="datetimeFigureOut">
               <a:rPr lang="en-US" smtClean="0"/>
-              <a:t>6/11/2019</a:t>
+              <a:t>6/13/2019</a:t>
             </a:fld>
             <a:endParaRPr lang="en-US"/>
           </a:p>
@@ -2565,7 +2565,7 @@
           <a:p>
             <a:fld id="{3A632A50-6540-4FA7-8830-068C2E9F477F}" type="datetimeFigureOut">
               <a:rPr lang="en-US" smtClean="0"/>
-              <a:t>6/11/2019</a:t>
+              <a:t>6/13/2019</a:t>
             </a:fld>
             <a:endParaRPr lang="en-US"/>
           </a:p>
@@ -3379,10 +3379,10 @@
       </p:sp>
       <p:pic>
         <p:nvPicPr>
-          <p:cNvPr id="5" name="Picture 4">
+          <p:cNvPr id="11" name="Picture 10">
             <a:extLst>
               <a:ext uri="{FF2B5EF4-FFF2-40B4-BE49-F238E27FC236}">
-                <a16:creationId xmlns:a16="http://schemas.microsoft.com/office/drawing/2014/main" id="{7FF48901-CF7E-4565-8638-F3C685B513D6}"/>
+                <a16:creationId xmlns:a16="http://schemas.microsoft.com/office/drawing/2014/main" id="{28FF48B8-715A-4A8F-912B-4C7B7FFC953C}"/>
               </a:ext>
             </a:extLst>
           </p:cNvPr>
@@ -3405,8 +3405,8 @@
         </p:blipFill>
         <p:spPr>
           <a:xfrm>
-            <a:off x="5834062" y="2038496"/>
-            <a:ext cx="6024563" cy="4886179"/>
+            <a:off x="6096000" y="2251340"/>
+            <a:ext cx="3969243" cy="4060560"/>
           </a:xfrm>
           <a:prstGeom prst="rect">
             <a:avLst/>
@@ -3767,6 +3767,42 @@
           </a:p>
         </p:txBody>
       </p:sp>
+      <p:pic>
+        <p:nvPicPr>
+          <p:cNvPr id="5" name="Picture 4">
+            <a:extLst>
+              <a:ext uri="{FF2B5EF4-FFF2-40B4-BE49-F238E27FC236}">
+                <a16:creationId xmlns:a16="http://schemas.microsoft.com/office/drawing/2014/main" id="{3FC11CB0-D72F-45CE-A327-4BC8E0B38C9B}"/>
+              </a:ext>
+            </a:extLst>
+          </p:cNvPr>
+          <p:cNvPicPr>
+            <a:picLocks noChangeAspect="1"/>
+          </p:cNvPicPr>
+          <p:nvPr/>
+        </p:nvPicPr>
+        <p:blipFill>
+          <a:blip r:embed="rId2">
+            <a:extLst>
+              <a:ext uri="{28A0092B-C50C-407E-A947-70E740481C1C}">
+                <a14:useLocalDpi xmlns:a14="http://schemas.microsoft.com/office/drawing/2010/main" val="0"/>
+              </a:ext>
+            </a:extLst>
+          </a:blip>
+          <a:stretch>
+            <a:fillRect/>
+          </a:stretch>
+        </p:blipFill>
+        <p:spPr>
+          <a:xfrm>
+            <a:off x="6025021" y="2809436"/>
+            <a:ext cx="4968538" cy="2383715"/>
+          </a:xfrm>
+          <a:prstGeom prst="rect">
+            <a:avLst/>
+          </a:prstGeom>
+        </p:spPr>
+      </p:pic>
     </p:spTree>
     <p:extLst>
       <p:ext uri="{BB962C8B-B14F-4D97-AF65-F5344CB8AC3E}">
@@ -3902,7 +3938,7 @@
             </a:pPr>
             <a:r>
               <a:rPr lang="en-US" dirty="0"/>
-              <a:t>[group1]                                                    -&gt; group of host name </a:t>
+              <a:t>[group1]                                                    -&gt; group of hosts name </a:t>
             </a:r>
           </a:p>
           <a:p>
@@ -4052,6 +4088,42 @@
           </a:p>
         </p:txBody>
       </p:sp>
+      <p:pic>
+        <p:nvPicPr>
+          <p:cNvPr id="7" name="Picture 6">
+            <a:extLst>
+              <a:ext uri="{FF2B5EF4-FFF2-40B4-BE49-F238E27FC236}">
+                <a16:creationId xmlns:a16="http://schemas.microsoft.com/office/drawing/2014/main" id="{468D5BFC-EC7C-4E1A-A763-12ED23C82296}"/>
+              </a:ext>
+            </a:extLst>
+          </p:cNvPr>
+          <p:cNvPicPr>
+            <a:picLocks noChangeAspect="1"/>
+          </p:cNvPicPr>
+          <p:nvPr/>
+        </p:nvPicPr>
+        <p:blipFill>
+          <a:blip r:embed="rId2">
+            <a:extLst>
+              <a:ext uri="{28A0092B-C50C-407E-A947-70E740481C1C}">
+                <a14:useLocalDpi xmlns:a14="http://schemas.microsoft.com/office/drawing/2010/main" val="0"/>
+              </a:ext>
+            </a:extLst>
+          </a:blip>
+          <a:stretch>
+            <a:fillRect/>
+          </a:stretch>
+        </p:blipFill>
+        <p:spPr>
+          <a:xfrm>
+            <a:off x="8123069" y="2789069"/>
+            <a:ext cx="4068932" cy="4068932"/>
+          </a:xfrm>
+          <a:prstGeom prst="rect">
+            <a:avLst/>
+          </a:prstGeom>
+        </p:spPr>
+      </p:pic>
     </p:spTree>
     <p:extLst>
       <p:ext uri="{BB962C8B-B14F-4D97-AF65-F5344CB8AC3E}">
@@ -4587,7 +4659,7 @@
             </a:pPr>
             <a:r>
               <a:rPr lang="en-US" dirty="0"/>
-              <a:t>	# ansible  pcX.ws.sse.afnog.org -m setup -a "filter=*ipv4“</a:t>
+              <a:t>	# ansible  pcX.sse.ws.afnog.org -m setup -a "filter=*ipv4 "</a:t>
             </a:r>
           </a:p>
           <a:p>
@@ -4602,7 +4674,7 @@
             </a:pPr>
             <a:r>
               <a:rPr lang="en-US" dirty="0"/>
-              <a:t>	# ansible group2 -m command -a "uptime“</a:t>
+              <a:t>	# ansible group2 -m command -a "uptime "</a:t>
             </a:r>
           </a:p>
           <a:p>
@@ -4617,7 +4689,7 @@
             </a:pPr>
             <a:r>
               <a:rPr lang="en-US" dirty="0"/>
-              <a:t>	# ansible -m command -a 'df -h’ pcX.ws.sse.afnog.org</a:t>
+              <a:t>	# ansible -m command -a 'df -h’ pcX.sse.ws.afnog.org</a:t>
             </a:r>
           </a:p>
           <a:p>
@@ -4717,6 +4789,42 @@
           </a:p>
         </p:txBody>
       </p:sp>
+      <p:pic>
+        <p:nvPicPr>
+          <p:cNvPr id="5" name="Picture 4">
+            <a:extLst>
+              <a:ext uri="{FF2B5EF4-FFF2-40B4-BE49-F238E27FC236}">
+                <a16:creationId xmlns:a16="http://schemas.microsoft.com/office/drawing/2014/main" id="{27B307D8-6AF0-4188-8D46-01E28ECA2F92}"/>
+              </a:ext>
+            </a:extLst>
+          </p:cNvPr>
+          <p:cNvPicPr>
+            <a:picLocks noChangeAspect="1"/>
+          </p:cNvPicPr>
+          <p:nvPr/>
+        </p:nvPicPr>
+        <p:blipFill>
+          <a:blip r:embed="rId2" cstate="print">
+            <a:extLst>
+              <a:ext uri="{28A0092B-C50C-407E-A947-70E740481C1C}">
+                <a14:useLocalDpi xmlns:a14="http://schemas.microsoft.com/office/drawing/2010/main" val="0"/>
+              </a:ext>
+            </a:extLst>
+          </a:blip>
+          <a:stretch>
+            <a:fillRect/>
+          </a:stretch>
+        </p:blipFill>
+        <p:spPr>
+          <a:xfrm>
+            <a:off x="7829509" y="1825625"/>
+            <a:ext cx="4125754" cy="3429000"/>
+          </a:xfrm>
+          <a:prstGeom prst="rect">
+            <a:avLst/>
+          </a:prstGeom>
+        </p:spPr>
+      </p:pic>
     </p:spTree>
     <p:extLst>
       <p:ext uri="{BB962C8B-B14F-4D97-AF65-F5344CB8AC3E}">
@@ -4829,7 +4937,19 @@
           <a:p>
             <a:r>
               <a:rPr lang="en-US" dirty="0"/>
-              <a:t>Every playbook configuration begins with triple dash ( ----)</a:t>
+              <a:t>Every playbook configuration begins with triple dash ( </a:t>
+            </a:r>
+            <a:r>
+              <a:rPr lang="en-US" dirty="0">
+                <a:solidFill>
+                  <a:srgbClr val="0070C0"/>
+                </a:solidFill>
+              </a:rPr>
+              <a:t>---</a:t>
+            </a:r>
+            <a:r>
+              <a:rPr lang="en-US" dirty="0"/>
+              <a:t>)</a:t>
             </a:r>
           </a:p>
           <a:p>
@@ -4909,6 +5029,42 @@
           <a:chExt cx="0" cy="0"/>
         </a:xfrm>
       </p:grpSpPr>
+      <p:pic>
+        <p:nvPicPr>
+          <p:cNvPr id="14" name="Picture 13">
+            <a:extLst>
+              <a:ext uri="{FF2B5EF4-FFF2-40B4-BE49-F238E27FC236}">
+                <a16:creationId xmlns:a16="http://schemas.microsoft.com/office/drawing/2014/main" id="{60305866-BF05-48A9-8E93-CCF9B87B84E9}"/>
+              </a:ext>
+            </a:extLst>
+          </p:cNvPr>
+          <p:cNvPicPr>
+            <a:picLocks noChangeAspect="1"/>
+          </p:cNvPicPr>
+          <p:nvPr/>
+        </p:nvPicPr>
+        <p:blipFill>
+          <a:blip r:embed="rId2">
+            <a:extLst>
+              <a:ext uri="{28A0092B-C50C-407E-A947-70E740481C1C}">
+                <a14:useLocalDpi xmlns:a14="http://schemas.microsoft.com/office/drawing/2010/main" val="0"/>
+              </a:ext>
+            </a:extLst>
+          </a:blip>
+          <a:stretch>
+            <a:fillRect/>
+          </a:stretch>
+        </p:blipFill>
+        <p:spPr>
+          <a:xfrm>
+            <a:off x="6363440" y="3403600"/>
+            <a:ext cx="5715000" cy="3454400"/>
+          </a:xfrm>
+          <a:prstGeom prst="rect">
+            <a:avLst/>
+          </a:prstGeom>
+        </p:spPr>
+      </p:pic>
       <p:sp>
         <p:nvSpPr>
           <p:cNvPr id="2" name="Title 1">
@@ -4970,7 +5126,12 @@
             <p:ph idx="1"/>
           </p:nvPr>
         </p:nvSpPr>
-        <p:spPr/>
+        <p:spPr>
+          <a:xfrm>
+            <a:off x="838199" y="1825625"/>
+            <a:ext cx="11626049" cy="4351338"/>
+          </a:xfrm>
+        </p:spPr>
         <p:txBody>
           <a:bodyPr>
             <a:normAutofit/>
@@ -5735,29 +5896,99 @@
         </p:nvSpPr>
         <p:spPr/>
         <p:txBody>
-          <a:bodyPr/>
-          <a:lstStyle/>
-          <a:p>
-            <a:r>
-              <a:rPr lang="en-US" dirty="0"/>
-              <a:t>Handlers are special tasks that run at the end of a play if notified by another</a:t>
-            </a:r>
-          </a:p>
-          <a:p>
-            <a:r>
-              <a:rPr lang="en-US" dirty="0"/>
-              <a:t>task when a change occurs.</a:t>
-            </a:r>
-          </a:p>
-          <a:p>
-            <a:r>
-              <a:rPr lang="en-US" dirty="0"/>
+          <a:bodyPr>
+            <a:normAutofit/>
+          </a:bodyPr>
+          <a:lstStyle/>
+          <a:p>
+            <a:pPr algn="justLow"/>
+            <a:r>
+              <a:rPr lang="en-US" sz="3600" dirty="0"/>
+              <a:t>Handlers are special tasks that run at the end of a play if notified by another task when a change occurs.</a:t>
+            </a:r>
+          </a:p>
+          <a:p>
+            <a:pPr algn="justLow"/>
+            <a:r>
+              <a:rPr lang="en-US" sz="3600" dirty="0"/>
               <a:t>If a configuration file gets changed notify a service restart task that it needs to run.</a:t>
             </a:r>
-            <a:endParaRPr lang="en-SD" dirty="0"/>
-          </a:p>
-        </p:txBody>
-      </p:sp>
+            <a:endParaRPr lang="en-SD" sz="3600" dirty="0"/>
+          </a:p>
+        </p:txBody>
+      </p:sp>
+      <p:pic>
+        <p:nvPicPr>
+          <p:cNvPr id="6" name="Picture 5">
+            <a:extLst>
+              <a:ext uri="{FF2B5EF4-FFF2-40B4-BE49-F238E27FC236}">
+                <a16:creationId xmlns:a16="http://schemas.microsoft.com/office/drawing/2014/main" id="{0EC01F6A-F516-4511-8088-6C80B494C8FE}"/>
+              </a:ext>
+            </a:extLst>
+          </p:cNvPr>
+          <p:cNvPicPr>
+            <a:picLocks noChangeAspect="1"/>
+          </p:cNvPicPr>
+          <p:nvPr/>
+        </p:nvPicPr>
+        <p:blipFill>
+          <a:blip r:embed="rId2">
+            <a:extLst>
+              <a:ext uri="{28A0092B-C50C-407E-A947-70E740481C1C}">
+                <a14:useLocalDpi xmlns:a14="http://schemas.microsoft.com/office/drawing/2010/main" val="0"/>
+              </a:ext>
+            </a:extLst>
+          </a:blip>
+          <a:stretch>
+            <a:fillRect/>
+          </a:stretch>
+        </p:blipFill>
+        <p:spPr>
+          <a:xfrm>
+            <a:off x="8708995" y="3429000"/>
+            <a:ext cx="3403430" cy="3403430"/>
+          </a:xfrm>
+          <a:prstGeom prst="rect">
+            <a:avLst/>
+          </a:prstGeom>
+        </p:spPr>
+      </p:pic>
+      <p:pic>
+        <p:nvPicPr>
+          <p:cNvPr id="8" name="Picture 7">
+            <a:extLst>
+              <a:ext uri="{FF2B5EF4-FFF2-40B4-BE49-F238E27FC236}">
+                <a16:creationId xmlns:a16="http://schemas.microsoft.com/office/drawing/2014/main" id="{5F860D63-6420-4EBE-8B94-8CA641C5A392}"/>
+              </a:ext>
+            </a:extLst>
+          </p:cNvPr>
+          <p:cNvPicPr>
+            <a:picLocks noChangeAspect="1"/>
+          </p:cNvPicPr>
+          <p:nvPr/>
+        </p:nvPicPr>
+        <p:blipFill>
+          <a:blip r:embed="rId3">
+            <a:extLst>
+              <a:ext uri="{28A0092B-C50C-407E-A947-70E740481C1C}">
+                <a14:useLocalDpi xmlns:a14="http://schemas.microsoft.com/office/drawing/2010/main" val="0"/>
+              </a:ext>
+            </a:extLst>
+          </a:blip>
+          <a:stretch>
+            <a:fillRect/>
+          </a:stretch>
+        </p:blipFill>
+        <p:spPr>
+          <a:xfrm>
+            <a:off x="1021672" y="5015882"/>
+            <a:ext cx="1578359" cy="1578359"/>
+          </a:xfrm>
+          <a:prstGeom prst="rect">
+            <a:avLst/>
+          </a:prstGeom>
+        </p:spPr>
+      </p:pic>
     </p:spTree>
     <p:extLst>
       <p:ext uri="{BB962C8B-B14F-4D97-AF65-F5344CB8AC3E}">
@@ -5985,6 +6216,42 @@
           </a:p>
         </p:txBody>
       </p:sp>
+      <p:pic>
+        <p:nvPicPr>
+          <p:cNvPr id="4" name="Picture 3">
+            <a:extLst>
+              <a:ext uri="{FF2B5EF4-FFF2-40B4-BE49-F238E27FC236}">
+                <a16:creationId xmlns:a16="http://schemas.microsoft.com/office/drawing/2014/main" id="{1024999A-EF8B-4175-86D2-336E2DF1283F}"/>
+              </a:ext>
+            </a:extLst>
+          </p:cNvPr>
+          <p:cNvPicPr>
+            <a:picLocks noChangeAspect="1"/>
+          </p:cNvPicPr>
+          <p:nvPr/>
+        </p:nvPicPr>
+        <p:blipFill>
+          <a:blip r:embed="rId2">
+            <a:extLst>
+              <a:ext uri="{28A0092B-C50C-407E-A947-70E740481C1C}">
+                <a14:useLocalDpi xmlns:a14="http://schemas.microsoft.com/office/drawing/2010/main" val="0"/>
+              </a:ext>
+            </a:extLst>
+          </a:blip>
+          <a:stretch>
+            <a:fillRect/>
+          </a:stretch>
+        </p:blipFill>
+        <p:spPr>
+          <a:xfrm>
+            <a:off x="5793994" y="567868"/>
+            <a:ext cx="5809120" cy="5809120"/>
+          </a:xfrm>
+          <a:prstGeom prst="rect">
+            <a:avLst/>
+          </a:prstGeom>
+        </p:spPr>
+      </p:pic>
     </p:spTree>
     <p:extLst>
       <p:ext uri="{BB962C8B-B14F-4D97-AF65-F5344CB8AC3E}">
@@ -6899,7 +7166,7 @@
         </p:blipFill>
         <p:spPr>
           <a:xfrm>
-            <a:off x="8087557" y="1027906"/>
+            <a:off x="8087557" y="0"/>
             <a:ext cx="3551068" cy="4961571"/>
           </a:xfrm>
           <a:prstGeom prst="rect">
@@ -7446,7 +7713,7 @@
                   </a:outerShdw>
                 </a:effectLst>
               </a:rPr>
-              <a:t>HOW ANSIBLE WORKS</a:t>
+              <a:t>How Ansible Works</a:t>
             </a:r>
             <a:endParaRPr lang="en-SD" b="1" dirty="0">
               <a:effectLst>

--- a/ansible/Ansible_Presentation2019.pptx
+++ b/ansible/Ansible_Presentation2019.pptx
@@ -27,7 +27,8 @@
     <p:sldId id="278" r:id="rId21"/>
     <p:sldId id="279" r:id="rId22"/>
     <p:sldId id="280" r:id="rId23"/>
-    <p:sldId id="288" r:id="rId24"/>
+    <p:sldId id="289" r:id="rId24"/>
+    <p:sldId id="288" r:id="rId25"/>
   </p:sldIdLst>
   <p:sldSz cx="12192000" cy="6858000"/>
   <p:notesSz cx="7315200" cy="9601200"/>
@@ -263,7 +264,7 @@
           <a:p>
             <a:fld id="{3A632A50-6540-4FA7-8830-068C2E9F477F}" type="datetimeFigureOut">
               <a:rPr lang="en-US" smtClean="0"/>
-              <a:t>6/13/2019</a:t>
+              <a:t>6/15/2019</a:t>
             </a:fld>
             <a:endParaRPr lang="en-US"/>
           </a:p>
@@ -431,7 +432,7 @@
           <a:p>
             <a:fld id="{3A632A50-6540-4FA7-8830-068C2E9F477F}" type="datetimeFigureOut">
               <a:rPr lang="en-US" smtClean="0"/>
-              <a:t>6/13/2019</a:t>
+              <a:t>6/15/2019</a:t>
             </a:fld>
             <a:endParaRPr lang="en-US"/>
           </a:p>
@@ -609,7 +610,7 @@
           <a:p>
             <a:fld id="{3A632A50-6540-4FA7-8830-068C2E9F477F}" type="datetimeFigureOut">
               <a:rPr lang="en-US" smtClean="0"/>
-              <a:t>6/13/2019</a:t>
+              <a:t>6/15/2019</a:t>
             </a:fld>
             <a:endParaRPr lang="en-US"/>
           </a:p>
@@ -777,7 +778,7 @@
           <a:p>
             <a:fld id="{3A632A50-6540-4FA7-8830-068C2E9F477F}" type="datetimeFigureOut">
               <a:rPr lang="en-US" smtClean="0"/>
-              <a:t>6/13/2019</a:t>
+              <a:t>6/15/2019</a:t>
             </a:fld>
             <a:endParaRPr lang="en-US"/>
           </a:p>
@@ -1022,7 +1023,7 @@
           <a:p>
             <a:fld id="{3A632A50-6540-4FA7-8830-068C2E9F477F}" type="datetimeFigureOut">
               <a:rPr lang="en-US" smtClean="0"/>
-              <a:t>6/13/2019</a:t>
+              <a:t>6/15/2019</a:t>
             </a:fld>
             <a:endParaRPr lang="en-US"/>
           </a:p>
@@ -1251,7 +1252,7 @@
           <a:p>
             <a:fld id="{3A632A50-6540-4FA7-8830-068C2E9F477F}" type="datetimeFigureOut">
               <a:rPr lang="en-US" smtClean="0"/>
-              <a:t>6/13/2019</a:t>
+              <a:t>6/15/2019</a:t>
             </a:fld>
             <a:endParaRPr lang="en-US"/>
           </a:p>
@@ -1615,7 +1616,7 @@
           <a:p>
             <a:fld id="{3A632A50-6540-4FA7-8830-068C2E9F477F}" type="datetimeFigureOut">
               <a:rPr lang="en-US" smtClean="0"/>
-              <a:t>6/13/2019</a:t>
+              <a:t>6/15/2019</a:t>
             </a:fld>
             <a:endParaRPr lang="en-US"/>
           </a:p>
@@ -1732,7 +1733,7 @@
           <a:p>
             <a:fld id="{3A632A50-6540-4FA7-8830-068C2E9F477F}" type="datetimeFigureOut">
               <a:rPr lang="en-US" smtClean="0"/>
-              <a:t>6/13/2019</a:t>
+              <a:t>6/15/2019</a:t>
             </a:fld>
             <a:endParaRPr lang="en-US"/>
           </a:p>
@@ -1827,7 +1828,7 @@
           <a:p>
             <a:fld id="{3A632A50-6540-4FA7-8830-068C2E9F477F}" type="datetimeFigureOut">
               <a:rPr lang="en-US" smtClean="0"/>
-              <a:t>6/13/2019</a:t>
+              <a:t>6/15/2019</a:t>
             </a:fld>
             <a:endParaRPr lang="en-US"/>
           </a:p>
@@ -2102,7 +2103,7 @@
           <a:p>
             <a:fld id="{3A632A50-6540-4FA7-8830-068C2E9F477F}" type="datetimeFigureOut">
               <a:rPr lang="en-US" smtClean="0"/>
-              <a:t>6/13/2019</a:t>
+              <a:t>6/15/2019</a:t>
             </a:fld>
             <a:endParaRPr lang="en-US"/>
           </a:p>
@@ -2354,7 +2355,7 @@
           <a:p>
             <a:fld id="{3A632A50-6540-4FA7-8830-068C2E9F477F}" type="datetimeFigureOut">
               <a:rPr lang="en-US" smtClean="0"/>
-              <a:t>6/13/2019</a:t>
+              <a:t>6/15/2019</a:t>
             </a:fld>
             <a:endParaRPr lang="en-US"/>
           </a:p>
@@ -2565,7 +2566,7 @@
           <a:p>
             <a:fld id="{3A632A50-6540-4FA7-8830-068C2E9F477F}" type="datetimeFigureOut">
               <a:rPr lang="en-US" smtClean="0"/>
-              <a:t>6/13/2019</a:t>
+              <a:t>6/15/2019</a:t>
             </a:fld>
             <a:endParaRPr lang="en-US"/>
           </a:p>
@@ -6284,6 +6285,281 @@
       </p:grpSpPr>
       <p:sp>
         <p:nvSpPr>
+          <p:cNvPr id="2" name="Title 1">
+            <a:extLst>
+              <a:ext uri="{FF2B5EF4-FFF2-40B4-BE49-F238E27FC236}">
+                <a16:creationId xmlns:a16="http://schemas.microsoft.com/office/drawing/2014/main" id="{581DA173-A4C1-46DB-8557-A7AD96D94900}"/>
+              </a:ext>
+            </a:extLst>
+          </p:cNvPr>
+          <p:cNvSpPr>
+            <a:spLocks noGrp="1"/>
+          </p:cNvSpPr>
+          <p:nvPr>
+            <p:ph type="title"/>
+          </p:nvPr>
+        </p:nvSpPr>
+        <p:spPr>
+          <a:xfrm>
+            <a:off x="1166675" y="622577"/>
+            <a:ext cx="10515600" cy="1325563"/>
+          </a:xfrm>
+        </p:spPr>
+        <p:txBody>
+          <a:bodyPr>
+            <a:normAutofit/>
+          </a:bodyPr>
+          <a:lstStyle/>
+          <a:p>
+            <a:r>
+              <a:rPr lang="en-US" sz="2800" b="1" dirty="0">
+                <a:effectLst>
+                  <a:outerShdw blurRad="38100" dist="38100" dir="2700000" algn="tl">
+                    <a:srgbClr val="000000">
+                      <a:alpha val="43137"/>
+                    </a:srgbClr>
+                  </a:outerShdw>
+                </a:effectLst>
+              </a:rPr>
+              <a:t>Join my Telegram Group “Learn Ansible” for more ansible materials and discussions , and please share it with your interested friends </a:t>
+            </a:r>
+            <a:r>
+              <a:rPr lang="en-US" sz="2800" b="1" dirty="0">
+                <a:effectLst>
+                  <a:outerShdw blurRad="38100" dist="38100" dir="2700000" algn="tl">
+                    <a:srgbClr val="000000">
+                      <a:alpha val="43137"/>
+                    </a:srgbClr>
+                  </a:outerShdw>
+                </a:effectLst>
+                <a:sym typeface="Wingdings" panose="05000000000000000000" pitchFamily="2" charset="2"/>
+              </a:rPr>
+              <a:t> </a:t>
+            </a:r>
+            <a:r>
+              <a:rPr lang="en-US" sz="2800" b="1" dirty="0">
+                <a:effectLst>
+                  <a:outerShdw blurRad="38100" dist="38100" dir="2700000" algn="tl">
+                    <a:srgbClr val="000000">
+                      <a:alpha val="43137"/>
+                    </a:srgbClr>
+                  </a:outerShdw>
+                </a:effectLst>
+              </a:rPr>
+              <a:t> </a:t>
+            </a:r>
+            <a:endParaRPr lang="en-SD" sz="2800" b="1" dirty="0">
+              <a:effectLst>
+                <a:outerShdw blurRad="38100" dist="38100" dir="2700000" algn="tl">
+                  <a:srgbClr val="000000">
+                    <a:alpha val="43137"/>
+                  </a:srgbClr>
+                </a:outerShdw>
+              </a:effectLst>
+            </a:endParaRPr>
+          </a:p>
+        </p:txBody>
+      </p:sp>
+      <p:sp>
+        <p:nvSpPr>
+          <p:cNvPr id="4" name="Rectangle 1">
+            <a:extLst>
+              <a:ext uri="{FF2B5EF4-FFF2-40B4-BE49-F238E27FC236}">
+                <a16:creationId xmlns:a16="http://schemas.microsoft.com/office/drawing/2014/main" id="{E5A845DE-238A-460E-A49E-673348FE9DB6}"/>
+              </a:ext>
+            </a:extLst>
+          </p:cNvPr>
+          <p:cNvSpPr>
+            <a:spLocks noGrp="1" noChangeArrowheads="1"/>
+          </p:cNvSpPr>
+          <p:nvPr>
+            <p:ph idx="1"/>
+          </p:nvPr>
+        </p:nvSpPr>
+        <p:spPr bwMode="auto">
+          <a:xfrm>
+            <a:off x="1211062" y="2782669"/>
+            <a:ext cx="9373079" cy="1292662"/>
+          </a:xfrm>
+          <a:prstGeom prst="rect">
+            <a:avLst/>
+          </a:prstGeom>
+          <a:noFill/>
+          <a:ln>
+            <a:noFill/>
+          </a:ln>
+          <a:effectLst/>
+          <a:extLst>
+            <a:ext uri="{909E8E84-426E-40DD-AFC4-6F175D3DCCD1}">
+              <a14:hiddenFill xmlns:a14="http://schemas.microsoft.com/office/drawing/2010/main">
+                <a:solidFill>
+                  <a:schemeClr val="accent1"/>
+                </a:solidFill>
+              </a14:hiddenFill>
+            </a:ext>
+            <a:ext uri="{91240B29-F687-4F45-9708-019B960494DF}">
+              <a14:hiddenLine xmlns:a14="http://schemas.microsoft.com/office/drawing/2010/main" w="9525">
+                <a:solidFill>
+                  <a:schemeClr val="tx1"/>
+                </a:solidFill>
+                <a:miter lim="800000"/>
+                <a:headEnd/>
+                <a:tailEnd/>
+              </a14:hiddenLine>
+            </a:ext>
+            <a:ext uri="{AF507438-7753-43E0-B8FC-AC1667EBCBE1}">
+              <a14:hiddenEffects xmlns:a14="http://schemas.microsoft.com/office/drawing/2010/main">
+                <a:effectLst>
+                  <a:outerShdw dist="35921" dir="2700000" algn="ctr" rotWithShape="0">
+                    <a:schemeClr val="bg2"/>
+                  </a:outerShdw>
+                </a:effectLst>
+              </a14:hiddenEffects>
+            </a:ext>
+          </a:extLst>
+        </p:spPr>
+        <p:txBody>
+          <a:bodyPr vert="horz" wrap="none" lIns="91440" tIns="45720" rIns="91440" bIns="45720" numCol="1" anchor="ctr" anchorCtr="0" compatLnSpc="1">
+            <a:prstTxWarp prst="textNoShape">
+              <a:avLst/>
+            </a:prstTxWarp>
+            <a:spAutoFit/>
+          </a:bodyPr>
+          <a:lstStyle/>
+          <a:p>
+            <a:pPr marL="0" marR="0" lvl="0" indent="0" algn="l" defTabSz="914400" rtl="0" eaLnBrk="0" fontAlgn="base" latinLnBrk="0" hangingPunct="0">
+              <a:lnSpc>
+                <a:spcPct val="100000"/>
+              </a:lnSpc>
+              <a:spcBef>
+                <a:spcPct val="0"/>
+              </a:spcBef>
+              <a:spcAft>
+                <a:spcPct val="0"/>
+              </a:spcAft>
+              <a:buClrTx/>
+              <a:buSzTx/>
+              <a:buFontTx/>
+              <a:buNone/>
+              <a:tabLst/>
+            </a:pPr>
+            <a:r>
+              <a:rPr kumimoji="0" lang="en-SD" altLang="en-SD" sz="6000" b="1" i="0" u="none" strike="noStrike" cap="none" normalizeH="0" baseline="0" dirty="0">
+                <a:ln>
+                  <a:noFill/>
+                </a:ln>
+                <a:solidFill>
+                  <a:schemeClr val="accent1">
+                    <a:lumMod val="75000"/>
+                  </a:schemeClr>
+                </a:solidFill>
+                <a:effectLst>
+                  <a:outerShdw blurRad="38100" dist="38100" dir="2700000" algn="tl">
+                    <a:srgbClr val="000000">
+                      <a:alpha val="43137"/>
+                    </a:srgbClr>
+                  </a:outerShdw>
+                </a:effectLst>
+                <a:latin typeface="Arial Unicode MS"/>
+              </a:rPr>
+              <a:t>https://t.me/learnAnsible </a:t>
+            </a:r>
+            <a:br>
+              <a:rPr kumimoji="0" lang="en-SD" altLang="en-SD" sz="800" b="0" i="0" u="none" strike="noStrike" cap="none" normalizeH="0" baseline="0" dirty="0">
+                <a:ln>
+                  <a:noFill/>
+                </a:ln>
+                <a:solidFill>
+                  <a:schemeClr val="accent1">
+                    <a:lumMod val="75000"/>
+                  </a:schemeClr>
+                </a:solidFill>
+                <a:effectLst/>
+              </a:rPr>
+            </a:br>
+            <a:endParaRPr kumimoji="0" lang="en-SD" altLang="en-SD" sz="1800" b="0" i="0" u="none" strike="noStrike" cap="none" normalizeH="0" baseline="0" dirty="0">
+              <a:ln>
+                <a:noFill/>
+              </a:ln>
+              <a:solidFill>
+                <a:schemeClr val="accent1">
+                  <a:lumMod val="75000"/>
+                </a:schemeClr>
+              </a:solidFill>
+              <a:effectLst/>
+              <a:latin typeface="Arial" panose="020B0604020202020204" pitchFamily="34" charset="0"/>
+            </a:endParaRPr>
+          </a:p>
+        </p:txBody>
+      </p:sp>
+      <p:pic>
+        <p:nvPicPr>
+          <p:cNvPr id="8" name="Picture 7">
+            <a:extLst>
+              <a:ext uri="{FF2B5EF4-FFF2-40B4-BE49-F238E27FC236}">
+                <a16:creationId xmlns:a16="http://schemas.microsoft.com/office/drawing/2014/main" id="{D840F47A-D59F-4BAA-9BA6-06D3DB22A933}"/>
+              </a:ext>
+            </a:extLst>
+          </p:cNvPr>
+          <p:cNvPicPr>
+            <a:picLocks noChangeAspect="1"/>
+          </p:cNvPicPr>
+          <p:nvPr/>
+        </p:nvPicPr>
+        <p:blipFill>
+          <a:blip r:embed="rId2" cstate="print">
+            <a:extLst>
+              <a:ext uri="{28A0092B-C50C-407E-A947-70E740481C1C}">
+                <a14:useLocalDpi xmlns:a14="http://schemas.microsoft.com/office/drawing/2010/main" val="0"/>
+              </a:ext>
+            </a:extLst>
+          </a:blip>
+          <a:stretch>
+            <a:fillRect/>
+          </a:stretch>
+        </p:blipFill>
+        <p:spPr>
+          <a:xfrm>
+            <a:off x="4128118" y="3833631"/>
+            <a:ext cx="2911874" cy="2911874"/>
+          </a:xfrm>
+          <a:prstGeom prst="rect">
+            <a:avLst/>
+          </a:prstGeom>
+        </p:spPr>
+      </p:pic>
+    </p:spTree>
+    <p:extLst>
+      <p:ext uri="{BB962C8B-B14F-4D97-AF65-F5344CB8AC3E}">
+        <p14:creationId xmlns:p14="http://schemas.microsoft.com/office/powerpoint/2010/main" val="3190730314"/>
+      </p:ext>
+    </p:extLst>
+  </p:cSld>
+  <p:clrMapOvr>
+    <a:masterClrMapping/>
+  </p:clrMapOvr>
+</p:sld>
+</file>
+
+<file path=ppt/slides/slide24.xml><?xml version="1.0" encoding="utf-8"?>
+<p:sld xmlns:a="http://schemas.openxmlformats.org/drawingml/2006/main" xmlns:r="http://schemas.openxmlformats.org/officeDocument/2006/relationships" xmlns:p="http://schemas.openxmlformats.org/presentationml/2006/main">
+  <p:cSld>
+    <p:spTree>
+      <p:nvGrpSpPr>
+        <p:cNvPr id="1" name=""/>
+        <p:cNvGrpSpPr/>
+        <p:nvPr/>
+      </p:nvGrpSpPr>
+      <p:grpSpPr>
+        <a:xfrm>
+          <a:off x="0" y="0"/>
+          <a:ext cx="0" cy="0"/>
+          <a:chOff x="0" y="0"/>
+          <a:chExt cx="0" cy="0"/>
+        </a:xfrm>
+      </p:grpSpPr>
+      <p:sp>
+        <p:nvSpPr>
           <p:cNvPr id="3" name="Content Placeholder 2">
             <a:extLst>
               <a:ext uri="{FF2B5EF4-FFF2-40B4-BE49-F238E27FC236}">

--- a/ansible/Ansible_Presentation2019.pptx
+++ b/ansible/Ansible_Presentation2019.pptx
@@ -3152,8 +3152,8 @@
         </p:blipFill>
         <p:spPr>
           <a:xfrm>
-            <a:off x="122237" y="-381497"/>
-            <a:ext cx="12193588" cy="7620993"/>
+            <a:off x="291375" y="-61531"/>
+            <a:ext cx="11169697" cy="6981061"/>
           </a:xfrm>
         </p:spPr>
       </p:pic>
@@ -4297,7 +4297,7 @@
         </p:blipFill>
         <p:spPr>
           <a:xfrm>
-            <a:off x="3133261" y="3597267"/>
+            <a:off x="3645485" y="3499613"/>
             <a:ext cx="4901029" cy="2895608"/>
           </a:xfrm>
           <a:prstGeom prst="rect">
@@ -4601,10 +4601,15 @@
             <p:ph idx="1"/>
           </p:nvPr>
         </p:nvSpPr>
-        <p:spPr/>
+        <p:spPr>
+          <a:xfrm>
+            <a:off x="838199" y="1825625"/>
+            <a:ext cx="10977979" cy="4351338"/>
+          </a:xfrm>
+        </p:spPr>
         <p:txBody>
           <a:bodyPr>
-            <a:normAutofit fontScale="70000" lnSpcReduction="20000"/>
+            <a:normAutofit fontScale="77500" lnSpcReduction="20000"/>
           </a:bodyPr>
           <a:lstStyle/>
           <a:p>
@@ -4698,7 +4703,7 @@
               <a:buNone/>
             </a:pPr>
             <a:r>
-              <a:rPr lang="en-US" sz="2600" b="1" dirty="0">
+              <a:rPr lang="en-US" sz="2300" b="1" dirty="0">
                 <a:solidFill>
                   <a:srgbClr val="FF0000"/>
                 </a:solidFill>
@@ -4713,7 +4718,7 @@
               <a:t>* Ansible facts</a:t>
             </a:r>
             <a:r>
-              <a:rPr lang="en-US" sz="2600" dirty="0">
+              <a:rPr lang="en-US" sz="2300" dirty="0">
                 <a:solidFill>
                   <a:srgbClr val="FF0000"/>
                 </a:solidFill>
@@ -4728,7 +4733,7 @@
               <a:t> are system properties that are collected by </a:t>
             </a:r>
             <a:r>
-              <a:rPr lang="en-US" sz="2600" b="1" dirty="0">
+              <a:rPr lang="en-US" sz="2300" b="1" dirty="0">
                 <a:solidFill>
                   <a:srgbClr val="FF0000"/>
                 </a:solidFill>
@@ -4743,7 +4748,7 @@
               <a:t>Ansible</a:t>
             </a:r>
             <a:r>
-              <a:rPr lang="en-US" sz="2600" dirty="0">
+              <a:rPr lang="en-US" sz="2300" dirty="0">
                 <a:solidFill>
                   <a:srgbClr val="FF0000"/>
                 </a:solidFill>
@@ -4758,7 +4763,7 @@
               <a:t> when it executes on a remote system. The </a:t>
             </a:r>
             <a:r>
-              <a:rPr lang="en-US" sz="2600" b="1" dirty="0">
+              <a:rPr lang="en-US" sz="2300" b="1" dirty="0">
                 <a:solidFill>
                   <a:srgbClr val="FF0000"/>
                 </a:solidFill>
@@ -4773,7 +4778,7 @@
               <a:t>facts</a:t>
             </a:r>
             <a:r>
-              <a:rPr lang="en-US" sz="2600" dirty="0">
+              <a:rPr lang="en-US" sz="2300" dirty="0">
                 <a:solidFill>
                   <a:srgbClr val="FF0000"/>
                 </a:solidFill>
@@ -4818,7 +4823,7 @@
         </p:blipFill>
         <p:spPr>
           <a:xfrm>
-            <a:off x="7829509" y="1825625"/>
+            <a:off x="8264515" y="2056444"/>
             <a:ext cx="4125754" cy="3429000"/>
           </a:xfrm>
           <a:prstGeom prst="rect">
@@ -4920,7 +4925,7 @@
         <p:spPr/>
         <p:txBody>
           <a:bodyPr>
-            <a:normAutofit fontScale="92500"/>
+            <a:normAutofit/>
           </a:bodyPr>
           <a:lstStyle/>
           <a:p>
@@ -4959,25 +4964,58 @@
               <a:t>The hosts, tasks, name, action are various instructions commands to help automate your play installation process , </a:t>
             </a:r>
             <a:r>
-              <a:rPr lang="en-US" b="1" dirty="0"/>
+              <a:rPr lang="en-US" b="1" dirty="0">
+                <a:effectLst>
+                  <a:outerShdw blurRad="38100" dist="38100" dir="2700000" algn="tl">
+                    <a:srgbClr val="000000">
+                      <a:alpha val="43137"/>
+                    </a:srgbClr>
+                  </a:outerShdw>
+                </a:effectLst>
+              </a:rPr>
               <a:t>using </a:t>
             </a:r>
             <a:r>
-              <a:rPr lang="en-US" b="1" dirty="0" err="1"/>
+              <a:rPr lang="en-US" b="1" dirty="0" err="1">
+                <a:effectLst>
+                  <a:outerShdw blurRad="38100" dist="38100" dir="2700000" algn="tl">
+                    <a:srgbClr val="000000">
+                      <a:alpha val="43137"/>
+                    </a:srgbClr>
+                  </a:outerShdw>
+                </a:effectLst>
+              </a:rPr>
               <a:t>yaml</a:t>
             </a:r>
             <a:r>
-              <a:rPr lang="en-US" b="1" dirty="0"/>
+              <a:rPr lang="en-US" b="1" dirty="0">
+                <a:effectLst>
+                  <a:outerShdw blurRad="38100" dist="38100" dir="2700000" algn="tl">
+                    <a:srgbClr val="000000">
+                      <a:alpha val="43137"/>
+                    </a:srgbClr>
+                  </a:outerShdw>
+                </a:effectLst>
+              </a:rPr>
               <a:t> and jinja2 </a:t>
             </a:r>
           </a:p>
           <a:p>
+            <a:pPr lvl="1" algn="justLow"/>
             <a:r>
               <a:rPr lang="en-US" dirty="0"/>
               <a:t> </a:t>
             </a:r>
             <a:r>
-              <a:rPr lang="en-US" b="1" dirty="0"/>
+              <a:rPr lang="en-US" b="1" dirty="0">
+                <a:effectLst>
+                  <a:outerShdw blurRad="38100" dist="38100" dir="2700000" algn="tl">
+                    <a:srgbClr val="000000">
+                      <a:alpha val="43137"/>
+                    </a:srgbClr>
+                  </a:outerShdw>
+                </a:effectLst>
+              </a:rPr>
               <a:t>Jinja2</a:t>
             </a:r>
             <a:r>
@@ -4986,8 +5024,17 @@
             </a:r>
           </a:p>
           <a:p>
-            <a:r>
-              <a:rPr lang="en-US" b="1" dirty="0"/>
+            <a:pPr lvl="1"/>
+            <a:r>
+              <a:rPr lang="en-US" b="1" dirty="0">
+                <a:effectLst>
+                  <a:outerShdw blurRad="38100" dist="38100" dir="2700000" algn="tl">
+                    <a:srgbClr val="000000">
+                      <a:alpha val="43137"/>
+                    </a:srgbClr>
+                  </a:outerShdw>
+                </a:effectLst>
+              </a:rPr>
               <a:t>YAML</a:t>
             </a:r>
             <a:r>
@@ -5146,45 +5193,81 @@
               <a:rPr lang="en-US" dirty="0"/>
               <a:t>Tasks are the application of a module to perform a specific unit of work.</a:t>
             </a:r>
-          </a:p>
-          <a:p>
-            <a:r>
-              <a:rPr lang="en-US" b="1" dirty="0"/>
+            <a:br>
+              <a:rPr lang="en-US" dirty="0"/>
+            </a:br>
+            <a:endParaRPr lang="en-US" dirty="0"/>
+          </a:p>
+          <a:p>
+            <a:r>
+              <a:rPr lang="en-US" sz="3600" b="1" dirty="0">
+                <a:effectLst>
+                  <a:outerShdw blurRad="38100" dist="38100" dir="2700000" algn="tl">
+                    <a:srgbClr val="000000">
+                      <a:alpha val="43137"/>
+                    </a:srgbClr>
+                  </a:outerShdw>
+                </a:effectLst>
+              </a:rPr>
+              <a:t>template</a:t>
+            </a:r>
+            <a:r>
+              <a:rPr lang="en-US" sz="3600" dirty="0"/>
+              <a:t>: Render a configuration file from a template</a:t>
+            </a:r>
+          </a:p>
+          <a:p>
+            <a:r>
+              <a:rPr lang="en-US" sz="3600" b="1" dirty="0">
+                <a:effectLst>
+                  <a:outerShdw blurRad="38100" dist="38100" dir="2700000" algn="tl">
+                    <a:srgbClr val="000000">
+                      <a:alpha val="43137"/>
+                    </a:srgbClr>
+                  </a:outerShdw>
+                </a:effectLst>
+              </a:rPr>
               <a:t>file</a:t>
             </a:r>
             <a:r>
-              <a:rPr lang="en-US" dirty="0"/>
+              <a:rPr lang="en-US" sz="3600" dirty="0"/>
               <a:t>: A directory should exist</a:t>
             </a:r>
           </a:p>
           <a:p>
             <a:r>
-              <a:rPr lang="en-US" b="1" dirty="0"/>
+              <a:rPr lang="en-US" sz="3600" b="1" dirty="0">
+                <a:effectLst>
+                  <a:outerShdw blurRad="38100" dist="38100" dir="2700000" algn="tl">
+                    <a:srgbClr val="000000">
+                      <a:alpha val="43137"/>
+                    </a:srgbClr>
+                  </a:outerShdw>
+                </a:effectLst>
+              </a:rPr>
               <a:t>apt</a:t>
             </a:r>
             <a:r>
-              <a:rPr lang="en-US" dirty="0"/>
+              <a:rPr lang="en-US" sz="3600" dirty="0"/>
               <a:t>: A package should be installed</a:t>
             </a:r>
           </a:p>
           <a:p>
             <a:r>
-              <a:rPr lang="en-US" b="1" dirty="0"/>
+              <a:rPr lang="en-US" sz="3600" b="1" dirty="0">
+                <a:effectLst>
+                  <a:outerShdw blurRad="38100" dist="38100" dir="2700000" algn="tl">
+                    <a:srgbClr val="000000">
+                      <a:alpha val="43137"/>
+                    </a:srgbClr>
+                  </a:outerShdw>
+                </a:effectLst>
+              </a:rPr>
               <a:t>service</a:t>
             </a:r>
             <a:r>
-              <a:rPr lang="en-US" dirty="0"/>
+              <a:rPr lang="en-US" sz="3600" dirty="0"/>
               <a:t>: A service should be running</a:t>
-            </a:r>
-          </a:p>
-          <a:p>
-            <a:r>
-              <a:rPr lang="en-US" b="1" dirty="0"/>
-              <a:t>template</a:t>
-            </a:r>
-            <a:r>
-              <a:rPr lang="en-US" dirty="0"/>
-              <a:t>: Render a configuration file from a template</a:t>
             </a:r>
           </a:p>
         </p:txBody>
